--- a/final/portfolio.pptx
+++ b/final/portfolio.pptx
@@ -10,21 +10,25 @@
     <p:sldId id="258" r:id="rId4"/>
     <p:sldId id="259" r:id="rId5"/>
     <p:sldId id="260" r:id="rId6"/>
-    <p:sldId id="261" r:id="rId7"/>
-    <p:sldId id="262" r:id="rId8"/>
-    <p:sldId id="263" r:id="rId9"/>
-    <p:sldId id="264" r:id="rId10"/>
-    <p:sldId id="265" r:id="rId11"/>
-    <p:sldId id="266" r:id="rId12"/>
-    <p:sldId id="267" r:id="rId13"/>
-    <p:sldId id="268" r:id="rId14"/>
-    <p:sldId id="269" r:id="rId15"/>
-    <p:sldId id="270" r:id="rId16"/>
-    <p:sldId id="271" r:id="rId17"/>
-    <p:sldId id="272" r:id="rId18"/>
-    <p:sldId id="273" r:id="rId19"/>
-    <p:sldId id="274" r:id="rId20"/>
-    <p:sldId id="275" r:id="rId21"/>
+    <p:sldId id="276" r:id="rId7"/>
+    <p:sldId id="277" r:id="rId8"/>
+    <p:sldId id="280" r:id="rId9"/>
+    <p:sldId id="279" r:id="rId10"/>
+    <p:sldId id="261" r:id="rId11"/>
+    <p:sldId id="262" r:id="rId12"/>
+    <p:sldId id="263" r:id="rId13"/>
+    <p:sldId id="264" r:id="rId14"/>
+    <p:sldId id="265" r:id="rId15"/>
+    <p:sldId id="266" r:id="rId16"/>
+    <p:sldId id="267" r:id="rId17"/>
+    <p:sldId id="268" r:id="rId18"/>
+    <p:sldId id="269" r:id="rId19"/>
+    <p:sldId id="270" r:id="rId20"/>
+    <p:sldId id="271" r:id="rId21"/>
+    <p:sldId id="272" r:id="rId22"/>
+    <p:sldId id="273" r:id="rId23"/>
+    <p:sldId id="274" r:id="rId24"/>
+    <p:sldId id="275" r:id="rId25"/>
   </p:sldIdLst>
   <p:sldSz cx="12192000" cy="6858000"/>
   <p:notesSz cx="6858000" cy="9144000"/>
@@ -123,6 +127,11 @@
       </a:defRPr>
     </a:lvl9pPr>
   </p:defaultTextStyle>
+  <p:extLst>
+    <p:ext uri="{EFAFB233-063F-42B5-8137-9DF3F51BA10A}">
+      <p15:sldGuideLst xmlns:p15="http://schemas.microsoft.com/office/powerpoint/2012/main"/>
+    </p:ext>
+  </p:extLst>
 </p:presentation>
 </file>
 
@@ -3006,6 +3015,44 @@
           </a:prstGeom>
         </p:spPr>
       </p:pic>
+      <p:sp>
+        <p:nvSpPr>
+          <p:cNvPr id="3" name="TextBox 2"/>
+          <p:cNvSpPr txBox="1"/>
+          <p:nvPr/>
+        </p:nvSpPr>
+        <p:spPr>
+          <a:xfrm>
+            <a:off x="8337177" y="4706471"/>
+            <a:ext cx="3935506" cy="584775"/>
+          </a:xfrm>
+          <a:prstGeom prst="rect">
+            <a:avLst/>
+          </a:prstGeom>
+          <a:noFill/>
+        </p:spPr>
+        <p:txBody>
+          <a:bodyPr wrap="square" rtlCol="0">
+            <a:spAutoFit/>
+          </a:bodyPr>
+          <a:lstStyle/>
+          <a:p>
+            <a:r>
+              <a:rPr lang="en-US" altLang="ko-KR" sz="3200" b="1" dirty="0" smtClean="0">
+                <a:solidFill>
+                  <a:schemeClr val="bg1"/>
+                </a:solidFill>
+              </a:rPr>
+              <a:t>Team BA</a:t>
+            </a:r>
+            <a:endParaRPr lang="ko-KR" altLang="en-US" sz="3200" b="1" dirty="0">
+              <a:solidFill>
+                <a:schemeClr val="bg1"/>
+              </a:solidFill>
+            </a:endParaRPr>
+          </a:p>
+        </p:txBody>
+      </p:sp>
     </p:spTree>
     <p:extLst>
       <p:ext uri="{BB962C8B-B14F-4D97-AF65-F5344CB8AC3E}">
@@ -3066,10 +3113,182 @@
           </a:prstGeom>
         </p:spPr>
       </p:pic>
+      <p:sp>
+        <p:nvSpPr>
+          <p:cNvPr id="4" name="TextBox 3"/>
+          <p:cNvSpPr txBox="1"/>
+          <p:nvPr/>
+        </p:nvSpPr>
+        <p:spPr>
+          <a:xfrm>
+            <a:off x="178582" y="346430"/>
+            <a:ext cx="4474697" cy="400110"/>
+          </a:xfrm>
+          <a:prstGeom prst="rect">
+            <a:avLst/>
+          </a:prstGeom>
+          <a:noFill/>
+        </p:spPr>
+        <p:txBody>
+          <a:bodyPr wrap="square" rtlCol="0">
+            <a:spAutoFit/>
+          </a:bodyPr>
+          <a:lstStyle/>
+          <a:p>
+            <a:r>
+              <a:rPr lang="en-US" altLang="ko-KR" sz="2000" b="1" dirty="0"/>
+              <a:t>STEP </a:t>
+            </a:r>
+            <a:r>
+              <a:rPr lang="en-US" altLang="ko-KR" sz="2000" b="1" dirty="0" smtClean="0"/>
+              <a:t>3 – Data Modeling</a:t>
+            </a:r>
+            <a:endParaRPr lang="ko-KR" altLang="en-US" sz="2000" dirty="0"/>
+          </a:p>
+        </p:txBody>
+      </p:sp>
+      <p:sp>
+        <p:nvSpPr>
+          <p:cNvPr id="5" name="TextBox 4"/>
+          <p:cNvSpPr txBox="1"/>
+          <p:nvPr/>
+        </p:nvSpPr>
+        <p:spPr>
+          <a:xfrm>
+            <a:off x="690880" y="1249680"/>
+            <a:ext cx="10861040" cy="1477328"/>
+          </a:xfrm>
+          <a:prstGeom prst="rect">
+            <a:avLst/>
+          </a:prstGeom>
+          <a:noFill/>
+        </p:spPr>
+        <p:txBody>
+          <a:bodyPr wrap="square" rtlCol="0">
+            <a:spAutoFit/>
+          </a:bodyPr>
+          <a:lstStyle/>
+          <a:p>
+            <a:r>
+              <a:rPr lang="en-US" altLang="ko-KR" dirty="0" smtClean="0"/>
+              <a:t>3. </a:t>
+            </a:r>
+            <a:r>
+              <a:rPr lang="ko-KR" altLang="en-US" dirty="0" smtClean="0"/>
+              <a:t>앞에서 정리된 내용을 가지고 </a:t>
+            </a:r>
+            <a:r>
+              <a:rPr lang="ko-KR" altLang="en-US" dirty="0" err="1" smtClean="0"/>
+              <a:t>모델리을</a:t>
+            </a:r>
+            <a:r>
+              <a:rPr lang="ko-KR" altLang="en-US" dirty="0" smtClean="0"/>
+              <a:t> 실제로 적용</a:t>
+            </a:r>
+            <a:endParaRPr lang="en-US" altLang="ko-KR" dirty="0" smtClean="0"/>
+          </a:p>
+          <a:p>
+            <a:r>
+              <a:rPr lang="ko-KR" altLang="en-US" dirty="0" smtClean="0"/>
+              <a:t>각각의 </a:t>
+            </a:r>
+            <a:r>
+              <a:rPr lang="en-US" altLang="ko-KR" dirty="0" err="1" smtClean="0"/>
+              <a:t>sse</a:t>
+            </a:r>
+            <a:r>
+              <a:rPr lang="en-US" altLang="ko-KR" dirty="0" smtClean="0"/>
+              <a:t>, </a:t>
+            </a:r>
+            <a:r>
+              <a:rPr lang="ko-KR" altLang="en-US" dirty="0" smtClean="0"/>
+              <a:t>혹은 </a:t>
+            </a:r>
+            <a:r>
+              <a:rPr lang="ko-KR" altLang="en-US" dirty="0" err="1" smtClean="0"/>
+              <a:t>오분류표</a:t>
+            </a:r>
+            <a:r>
+              <a:rPr lang="en-US" altLang="ko-KR" dirty="0" smtClean="0"/>
+              <a:t>(</a:t>
+            </a:r>
+            <a:r>
+              <a:rPr lang="ko-KR" altLang="en-US" dirty="0" smtClean="0"/>
+              <a:t>여기선 </a:t>
+            </a:r>
+            <a:r>
+              <a:rPr lang="en-US" altLang="ko-KR" dirty="0" smtClean="0"/>
+              <a:t>kappa</a:t>
+            </a:r>
+            <a:r>
+              <a:rPr lang="ko-KR" altLang="en-US" dirty="0" smtClean="0"/>
+              <a:t>계수 혹은 </a:t>
+            </a:r>
+            <a:r>
+              <a:rPr lang="en-US" altLang="ko-KR" dirty="0" smtClean="0"/>
+              <a:t>f1</a:t>
+            </a:r>
+            <a:r>
+              <a:rPr lang="ko-KR" altLang="en-US" dirty="0" smtClean="0"/>
+              <a:t>지표를 </a:t>
+            </a:r>
+            <a:r>
+              <a:rPr lang="ko-KR" altLang="en-US" dirty="0" err="1" smtClean="0"/>
+              <a:t>사용할것</a:t>
+            </a:r>
+            <a:r>
+              <a:rPr lang="en-US" altLang="ko-KR" dirty="0" smtClean="0"/>
+              <a:t>… </a:t>
+            </a:r>
+            <a:r>
+              <a:rPr lang="ko-KR" altLang="en-US" dirty="0" smtClean="0"/>
+              <a:t>아직 미정 우리가 쉽게 </a:t>
+            </a:r>
+            <a:r>
+              <a:rPr lang="ko-KR" altLang="en-US" dirty="0" err="1" smtClean="0"/>
+              <a:t>알수있던건</a:t>
+            </a:r>
+            <a:r>
+              <a:rPr lang="ko-KR" altLang="en-US" dirty="0" smtClean="0"/>
+              <a:t> </a:t>
+            </a:r>
+            <a:r>
+              <a:rPr lang="en-US" altLang="ko-KR" dirty="0" smtClean="0"/>
+              <a:t>R</a:t>
+            </a:r>
+            <a:r>
+              <a:rPr lang="ko-KR" altLang="en-US" dirty="0" smtClean="0"/>
+              <a:t>에서 구해지던 </a:t>
+            </a:r>
+            <a:r>
+              <a:rPr lang="en-US" altLang="ko-KR" dirty="0" smtClean="0"/>
+              <a:t>kappa</a:t>
+            </a:r>
+            <a:r>
+              <a:rPr lang="ko-KR" altLang="en-US" dirty="0" smtClean="0"/>
+              <a:t>계수를 </a:t>
+            </a:r>
+            <a:r>
+              <a:rPr lang="ko-KR" altLang="en-US" dirty="0" err="1" smtClean="0"/>
+              <a:t>사용했었음</a:t>
+            </a:r>
+            <a:r>
+              <a:rPr lang="en-US" altLang="ko-KR" dirty="0" smtClean="0"/>
+              <a:t>)</a:t>
+            </a:r>
+          </a:p>
+          <a:p>
+            <a:endParaRPr lang="en-US" altLang="ko-KR" dirty="0"/>
+          </a:p>
+          <a:p>
+            <a:endParaRPr lang="en-US" altLang="ko-KR" dirty="0" smtClean="0"/>
+          </a:p>
+        </p:txBody>
+      </p:sp>
     </p:spTree>
     <p:extLst>
       <p:ext uri="{BB962C8B-B14F-4D97-AF65-F5344CB8AC3E}">
-        <p14:creationId xmlns:p14="http://schemas.microsoft.com/office/powerpoint/2010/main" val="204719519"/>
+        <p14:creationId xmlns:p14="http://schemas.microsoft.com/office/powerpoint/2010/main" val="3733050627"/>
       </p:ext>
     </p:extLst>
   </p:cSld>
@@ -3119,10 +3338,159 @@
           </a:prstGeom>
         </p:spPr>
       </p:pic>
+      <p:sp>
+        <p:nvSpPr>
+          <p:cNvPr id="4" name="TextBox 3"/>
+          <p:cNvSpPr txBox="1"/>
+          <p:nvPr/>
+        </p:nvSpPr>
+        <p:spPr>
+          <a:xfrm>
+            <a:off x="178582" y="346430"/>
+            <a:ext cx="4474697" cy="400110"/>
+          </a:xfrm>
+          <a:prstGeom prst="rect">
+            <a:avLst/>
+          </a:prstGeom>
+          <a:noFill/>
+        </p:spPr>
+        <p:txBody>
+          <a:bodyPr wrap="square" rtlCol="0">
+            <a:spAutoFit/>
+          </a:bodyPr>
+          <a:lstStyle/>
+          <a:p>
+            <a:r>
+              <a:rPr lang="en-US" altLang="ko-KR" sz="2000" b="1" dirty="0"/>
+              <a:t>STEP </a:t>
+            </a:r>
+            <a:r>
+              <a:rPr lang="en-US" altLang="ko-KR" sz="2000" b="1" dirty="0"/>
+              <a:t>4</a:t>
+            </a:r>
+            <a:r>
+              <a:rPr lang="en-US" altLang="ko-KR" sz="2000" b="1" dirty="0" smtClean="0"/>
+              <a:t> – Data evaluation</a:t>
+            </a:r>
+            <a:endParaRPr lang="ko-KR" altLang="en-US" sz="2000" dirty="0"/>
+          </a:p>
+        </p:txBody>
+      </p:sp>
+      <p:sp>
+        <p:nvSpPr>
+          <p:cNvPr id="5" name="TextBox 4"/>
+          <p:cNvSpPr txBox="1"/>
+          <p:nvPr/>
+        </p:nvSpPr>
+        <p:spPr>
+          <a:xfrm>
+            <a:off x="690880" y="1249680"/>
+            <a:ext cx="10861040" cy="923330"/>
+          </a:xfrm>
+          <a:prstGeom prst="rect">
+            <a:avLst/>
+          </a:prstGeom>
+          <a:noFill/>
+        </p:spPr>
+        <p:txBody>
+          <a:bodyPr wrap="square" rtlCol="0">
+            <a:spAutoFit/>
+          </a:bodyPr>
+          <a:lstStyle/>
+          <a:p>
+            <a:r>
+              <a:rPr lang="en-US" altLang="ko-KR" dirty="0" smtClean="0"/>
+              <a:t>4. </a:t>
+            </a:r>
+            <a:r>
+              <a:rPr lang="en-US" altLang="ko-KR" dirty="0" err="1" smtClean="0"/>
+              <a:t>Sse</a:t>
+            </a:r>
+            <a:r>
+              <a:rPr lang="ko-KR" altLang="en-US" dirty="0" smtClean="0"/>
+              <a:t>와 </a:t>
+            </a:r>
+            <a:r>
+              <a:rPr lang="en-US" altLang="ko-KR" dirty="0" smtClean="0"/>
+              <a:t>f1</a:t>
+            </a:r>
+            <a:r>
+              <a:rPr lang="ko-KR" altLang="en-US" dirty="0" smtClean="0"/>
+              <a:t>지표</a:t>
+            </a:r>
+            <a:r>
+              <a:rPr lang="en-US" altLang="ko-KR" dirty="0" smtClean="0"/>
+              <a:t>../kappa</a:t>
+            </a:r>
+            <a:r>
+              <a:rPr lang="ko-KR" altLang="en-US" dirty="0" smtClean="0"/>
+              <a:t>계수</a:t>
+            </a:r>
+            <a:r>
+              <a:rPr lang="en-US" altLang="ko-KR" dirty="0" smtClean="0"/>
+              <a:t>, </a:t>
+            </a:r>
+            <a:r>
+              <a:rPr lang="ko-KR" altLang="en-US" dirty="0" smtClean="0"/>
+              <a:t>이걸 시각화해야되</a:t>
+            </a:r>
+            <a:r>
+              <a:rPr lang="en-US" altLang="ko-KR" dirty="0" smtClean="0"/>
+              <a:t>… </a:t>
+            </a:r>
+            <a:r>
+              <a:rPr lang="ko-KR" altLang="en-US" dirty="0" smtClean="0"/>
+              <a:t>어떻게</a:t>
+            </a:r>
+            <a:r>
+              <a:rPr lang="en-US" altLang="ko-KR" dirty="0" smtClean="0"/>
+              <a:t>? </a:t>
+            </a:r>
+            <a:r>
+              <a:rPr lang="ko-KR" altLang="en-US" dirty="0" smtClean="0"/>
+              <a:t>잘</a:t>
+            </a:r>
+            <a:r>
+              <a:rPr lang="en-US" altLang="ko-KR" dirty="0" smtClean="0"/>
+              <a:t>.</a:t>
+            </a:r>
+          </a:p>
+          <a:p>
+            <a:endParaRPr lang="en-US" altLang="ko-KR" dirty="0"/>
+          </a:p>
+          <a:p>
+            <a:r>
+              <a:rPr lang="en-US" altLang="ko-KR" dirty="0" smtClean="0"/>
+              <a:t>Roc</a:t>
+            </a:r>
+            <a:r>
+              <a:rPr lang="ko-KR" altLang="en-US" dirty="0" smtClean="0"/>
+              <a:t>커브 매우 필요</a:t>
+            </a:r>
+            <a:r>
+              <a:rPr lang="en-US" altLang="ko-KR" dirty="0" smtClean="0"/>
+              <a:t>…</a:t>
+            </a:r>
+            <a:r>
+              <a:rPr lang="ko-KR" altLang="en-US" dirty="0" smtClean="0"/>
+              <a:t>최종 모델과 알고리즘 </a:t>
+            </a:r>
+            <a:r>
+              <a:rPr lang="ko-KR" altLang="en-US" dirty="0" err="1" smtClean="0"/>
+              <a:t>결정내용도</a:t>
+            </a:r>
+            <a:r>
+              <a:rPr lang="ko-KR" altLang="en-US" dirty="0" smtClean="0"/>
+              <a:t> 제시</a:t>
+            </a:r>
+            <a:endParaRPr lang="en-US" altLang="ko-KR" dirty="0" smtClean="0"/>
+          </a:p>
+        </p:txBody>
+      </p:sp>
     </p:spTree>
     <p:extLst>
       <p:ext uri="{BB962C8B-B14F-4D97-AF65-F5344CB8AC3E}">
-        <p14:creationId xmlns:p14="http://schemas.microsoft.com/office/powerpoint/2010/main" val="3837569225"/>
+        <p14:creationId xmlns:p14="http://schemas.microsoft.com/office/powerpoint/2010/main" val="3417084299"/>
       </p:ext>
     </p:extLst>
   </p:cSld>
@@ -3175,7 +3543,7 @@
     </p:spTree>
     <p:extLst>
       <p:ext uri="{BB962C8B-B14F-4D97-AF65-F5344CB8AC3E}">
-        <p14:creationId xmlns:p14="http://schemas.microsoft.com/office/powerpoint/2010/main" val="1338528356"/>
+        <p14:creationId xmlns:p14="http://schemas.microsoft.com/office/powerpoint/2010/main" val="946494606"/>
       </p:ext>
     </p:extLst>
   </p:cSld>
@@ -3228,7 +3596,7 @@
     </p:spTree>
     <p:extLst>
       <p:ext uri="{BB962C8B-B14F-4D97-AF65-F5344CB8AC3E}">
-        <p14:creationId xmlns:p14="http://schemas.microsoft.com/office/powerpoint/2010/main" val="2507193765"/>
+        <p14:creationId xmlns:p14="http://schemas.microsoft.com/office/powerpoint/2010/main" val="4101232267"/>
       </p:ext>
     </p:extLst>
   </p:cSld>
@@ -3281,7 +3649,7 @@
     </p:spTree>
     <p:extLst>
       <p:ext uri="{BB962C8B-B14F-4D97-AF65-F5344CB8AC3E}">
-        <p14:creationId xmlns:p14="http://schemas.microsoft.com/office/powerpoint/2010/main" val="1834451327"/>
+        <p14:creationId xmlns:p14="http://schemas.microsoft.com/office/powerpoint/2010/main" val="204719519"/>
       </p:ext>
     </p:extLst>
   </p:cSld>
@@ -3334,7 +3702,7 @@
     </p:spTree>
     <p:extLst>
       <p:ext uri="{BB962C8B-B14F-4D97-AF65-F5344CB8AC3E}">
-        <p14:creationId xmlns:p14="http://schemas.microsoft.com/office/powerpoint/2010/main" val="3891619505"/>
+        <p14:creationId xmlns:p14="http://schemas.microsoft.com/office/powerpoint/2010/main" val="3837569225"/>
       </p:ext>
     </p:extLst>
   </p:cSld>
@@ -3387,7 +3755,7 @@
     </p:spTree>
     <p:extLst>
       <p:ext uri="{BB962C8B-B14F-4D97-AF65-F5344CB8AC3E}">
-        <p14:creationId xmlns:p14="http://schemas.microsoft.com/office/powerpoint/2010/main" val="2849107611"/>
+        <p14:creationId xmlns:p14="http://schemas.microsoft.com/office/powerpoint/2010/main" val="1338528356"/>
       </p:ext>
     </p:extLst>
   </p:cSld>
@@ -3440,7 +3808,7 @@
     </p:spTree>
     <p:extLst>
       <p:ext uri="{BB962C8B-B14F-4D97-AF65-F5344CB8AC3E}">
-        <p14:creationId xmlns:p14="http://schemas.microsoft.com/office/powerpoint/2010/main" val="3350511932"/>
+        <p14:creationId xmlns:p14="http://schemas.microsoft.com/office/powerpoint/2010/main" val="2507193765"/>
       </p:ext>
     </p:extLst>
   </p:cSld>
@@ -3467,10 +3835,33 @@
           <a:chExt cx="0" cy="0"/>
         </a:xfrm>
       </p:grpSpPr>
+      <p:pic>
+        <p:nvPicPr>
+          <p:cNvPr id="2" name="그림 1"/>
+          <p:cNvPicPr>
+            <a:picLocks noChangeAspect="1"/>
+          </p:cNvPicPr>
+          <p:nvPr/>
+        </p:nvPicPr>
+        <p:blipFill rotWithShape="1">
+          <a:blip r:embed="rId2"/>
+          <a:srcRect l="35583" t="37882" r="37500" b="46739"/>
+          <a:stretch/>
+        </p:blipFill>
+        <p:spPr>
+          <a:xfrm>
+            <a:off x="10622280" y="6376878"/>
+            <a:ext cx="1569720" cy="481122"/>
+          </a:xfrm>
+          <a:prstGeom prst="rect">
+            <a:avLst/>
+          </a:prstGeom>
+        </p:spPr>
+      </p:pic>
     </p:spTree>
     <p:extLst>
       <p:ext uri="{BB962C8B-B14F-4D97-AF65-F5344CB8AC3E}">
-        <p14:creationId xmlns:p14="http://schemas.microsoft.com/office/powerpoint/2010/main" val="1296386446"/>
+        <p14:creationId xmlns:p14="http://schemas.microsoft.com/office/powerpoint/2010/main" val="1834451327"/>
       </p:ext>
     </p:extLst>
   </p:cSld>
@@ -3497,10 +3888,33 @@
           <a:chExt cx="0" cy="0"/>
         </a:xfrm>
       </p:grpSpPr>
+      <p:pic>
+        <p:nvPicPr>
+          <p:cNvPr id="2" name="그림 1"/>
+          <p:cNvPicPr>
+            <a:picLocks noChangeAspect="1"/>
+          </p:cNvPicPr>
+          <p:nvPr/>
+        </p:nvPicPr>
+        <p:blipFill rotWithShape="1">
+          <a:blip r:embed="rId2"/>
+          <a:srcRect l="35583" t="37882" r="37500" b="46739"/>
+          <a:stretch/>
+        </p:blipFill>
+        <p:spPr>
+          <a:xfrm>
+            <a:off x="10622280" y="6376878"/>
+            <a:ext cx="1569720" cy="481122"/>
+          </a:xfrm>
+          <a:prstGeom prst="rect">
+            <a:avLst/>
+          </a:prstGeom>
+        </p:spPr>
+      </p:pic>
     </p:spTree>
     <p:extLst>
       <p:ext uri="{BB962C8B-B14F-4D97-AF65-F5344CB8AC3E}">
-        <p14:creationId xmlns:p14="http://schemas.microsoft.com/office/powerpoint/2010/main" val="2921370321"/>
+        <p14:creationId xmlns:p14="http://schemas.microsoft.com/office/powerpoint/2010/main" val="3891619505"/>
       </p:ext>
     </p:extLst>
   </p:cSld>
@@ -3552,7 +3966,7 @@
       </p:pic>
       <p:pic>
         <p:nvPicPr>
-          <p:cNvPr id="5" name="그림 4"/>
+          <p:cNvPr id="7" name="그림 6"/>
           <p:cNvPicPr>
             <a:picLocks noChangeAspect="1"/>
           </p:cNvPicPr>
@@ -3594,6 +4008,172 @@
 </file>
 
 <file path=ppt/slides/slide20.xml><?xml version="1.0" encoding="utf-8"?>
+<p:sld xmlns:a="http://schemas.openxmlformats.org/drawingml/2006/main" xmlns:r="http://schemas.openxmlformats.org/officeDocument/2006/relationships" xmlns:p="http://schemas.openxmlformats.org/presentationml/2006/main">
+  <p:cSld>
+    <p:spTree>
+      <p:nvGrpSpPr>
+        <p:cNvPr id="1" name=""/>
+        <p:cNvGrpSpPr/>
+        <p:nvPr/>
+      </p:nvGrpSpPr>
+      <p:grpSpPr>
+        <a:xfrm>
+          <a:off x="0" y="0"/>
+          <a:ext cx="0" cy="0"/>
+          <a:chOff x="0" y="0"/>
+          <a:chExt cx="0" cy="0"/>
+        </a:xfrm>
+      </p:grpSpPr>
+      <p:pic>
+        <p:nvPicPr>
+          <p:cNvPr id="2" name="그림 1"/>
+          <p:cNvPicPr>
+            <a:picLocks noChangeAspect="1"/>
+          </p:cNvPicPr>
+          <p:nvPr/>
+        </p:nvPicPr>
+        <p:blipFill rotWithShape="1">
+          <a:blip r:embed="rId2"/>
+          <a:srcRect l="35583" t="37882" r="37500" b="46739"/>
+          <a:stretch/>
+        </p:blipFill>
+        <p:spPr>
+          <a:xfrm>
+            <a:off x="10622280" y="6376878"/>
+            <a:ext cx="1569720" cy="481122"/>
+          </a:xfrm>
+          <a:prstGeom prst="rect">
+            <a:avLst/>
+          </a:prstGeom>
+        </p:spPr>
+      </p:pic>
+    </p:spTree>
+    <p:extLst>
+      <p:ext uri="{BB962C8B-B14F-4D97-AF65-F5344CB8AC3E}">
+        <p14:creationId xmlns:p14="http://schemas.microsoft.com/office/powerpoint/2010/main" val="2849107611"/>
+      </p:ext>
+    </p:extLst>
+  </p:cSld>
+  <p:clrMapOvr>
+    <a:masterClrMapping/>
+  </p:clrMapOvr>
+</p:sld>
+</file>
+
+<file path=ppt/slides/slide21.xml><?xml version="1.0" encoding="utf-8"?>
+<p:sld xmlns:a="http://schemas.openxmlformats.org/drawingml/2006/main" xmlns:r="http://schemas.openxmlformats.org/officeDocument/2006/relationships" xmlns:p="http://schemas.openxmlformats.org/presentationml/2006/main">
+  <p:cSld>
+    <p:spTree>
+      <p:nvGrpSpPr>
+        <p:cNvPr id="1" name=""/>
+        <p:cNvGrpSpPr/>
+        <p:nvPr/>
+      </p:nvGrpSpPr>
+      <p:grpSpPr>
+        <a:xfrm>
+          <a:off x="0" y="0"/>
+          <a:ext cx="0" cy="0"/>
+          <a:chOff x="0" y="0"/>
+          <a:chExt cx="0" cy="0"/>
+        </a:xfrm>
+      </p:grpSpPr>
+      <p:pic>
+        <p:nvPicPr>
+          <p:cNvPr id="2" name="그림 1"/>
+          <p:cNvPicPr>
+            <a:picLocks noChangeAspect="1"/>
+          </p:cNvPicPr>
+          <p:nvPr/>
+        </p:nvPicPr>
+        <p:blipFill rotWithShape="1">
+          <a:blip r:embed="rId2"/>
+          <a:srcRect l="35583" t="37882" r="37500" b="46739"/>
+          <a:stretch/>
+        </p:blipFill>
+        <p:spPr>
+          <a:xfrm>
+            <a:off x="10622280" y="6376878"/>
+            <a:ext cx="1569720" cy="481122"/>
+          </a:xfrm>
+          <a:prstGeom prst="rect">
+            <a:avLst/>
+          </a:prstGeom>
+        </p:spPr>
+      </p:pic>
+    </p:spTree>
+    <p:extLst>
+      <p:ext uri="{BB962C8B-B14F-4D97-AF65-F5344CB8AC3E}">
+        <p14:creationId xmlns:p14="http://schemas.microsoft.com/office/powerpoint/2010/main" val="3350511932"/>
+      </p:ext>
+    </p:extLst>
+  </p:cSld>
+  <p:clrMapOvr>
+    <a:masterClrMapping/>
+  </p:clrMapOvr>
+</p:sld>
+</file>
+
+<file path=ppt/slides/slide22.xml><?xml version="1.0" encoding="utf-8"?>
+<p:sld xmlns:a="http://schemas.openxmlformats.org/drawingml/2006/main" xmlns:r="http://schemas.openxmlformats.org/officeDocument/2006/relationships" xmlns:p="http://schemas.openxmlformats.org/presentationml/2006/main">
+  <p:cSld>
+    <p:spTree>
+      <p:nvGrpSpPr>
+        <p:cNvPr id="1" name=""/>
+        <p:cNvGrpSpPr/>
+        <p:nvPr/>
+      </p:nvGrpSpPr>
+      <p:grpSpPr>
+        <a:xfrm>
+          <a:off x="0" y="0"/>
+          <a:ext cx="0" cy="0"/>
+          <a:chOff x="0" y="0"/>
+          <a:chExt cx="0" cy="0"/>
+        </a:xfrm>
+      </p:grpSpPr>
+    </p:spTree>
+    <p:extLst>
+      <p:ext uri="{BB962C8B-B14F-4D97-AF65-F5344CB8AC3E}">
+        <p14:creationId xmlns:p14="http://schemas.microsoft.com/office/powerpoint/2010/main" val="1296386446"/>
+      </p:ext>
+    </p:extLst>
+  </p:cSld>
+  <p:clrMapOvr>
+    <a:masterClrMapping/>
+  </p:clrMapOvr>
+</p:sld>
+</file>
+
+<file path=ppt/slides/slide23.xml><?xml version="1.0" encoding="utf-8"?>
+<p:sld xmlns:a="http://schemas.openxmlformats.org/drawingml/2006/main" xmlns:r="http://schemas.openxmlformats.org/officeDocument/2006/relationships" xmlns:p="http://schemas.openxmlformats.org/presentationml/2006/main">
+  <p:cSld>
+    <p:spTree>
+      <p:nvGrpSpPr>
+        <p:cNvPr id="1" name=""/>
+        <p:cNvGrpSpPr/>
+        <p:nvPr/>
+      </p:nvGrpSpPr>
+      <p:grpSpPr>
+        <a:xfrm>
+          <a:off x="0" y="0"/>
+          <a:ext cx="0" cy="0"/>
+          <a:chOff x="0" y="0"/>
+          <a:chExt cx="0" cy="0"/>
+        </a:xfrm>
+      </p:grpSpPr>
+    </p:spTree>
+    <p:extLst>
+      <p:ext uri="{BB962C8B-B14F-4D97-AF65-F5344CB8AC3E}">
+        <p14:creationId xmlns:p14="http://schemas.microsoft.com/office/powerpoint/2010/main" val="2921370321"/>
+      </p:ext>
+    </p:extLst>
+  </p:cSld>
+  <p:clrMapOvr>
+    <a:masterClrMapping/>
+  </p:clrMapOvr>
+</p:sld>
+</file>
+
+<file path=ppt/slides/slide24.xml><?xml version="1.0" encoding="utf-8"?>
 <p:sld xmlns:a="http://schemas.openxmlformats.org/drawingml/2006/main" xmlns:r="http://schemas.openxmlformats.org/officeDocument/2006/relationships" xmlns:p="http://schemas.openxmlformats.org/presentationml/2006/main">
   <p:cSld>
     <p:spTree>
@@ -3664,8 +4244,8 @@
           <a:p>
             <a:pPr algn="ctr"/>
             <a:r>
-              <a:rPr lang="ko-KR" altLang="en-US" dirty="0" err="1" smtClean="0"/>
-              <a:t>데이터소개</a:t>
+              <a:rPr lang="en-US" altLang="ko-KR" dirty="0" smtClean="0"/>
+              <a:t>EDA</a:t>
             </a:r>
             <a:endParaRPr lang="ko-KR" altLang="en-US" dirty="0"/>
           </a:p>
@@ -4070,6 +4650,112 @@
           </a:prstGeom>
         </p:spPr>
       </p:pic>
+      <p:sp>
+        <p:nvSpPr>
+          <p:cNvPr id="3" name="TextBox 2"/>
+          <p:cNvSpPr txBox="1"/>
+          <p:nvPr/>
+        </p:nvSpPr>
+        <p:spPr>
+          <a:xfrm>
+            <a:off x="178583" y="346430"/>
+            <a:ext cx="3611098" cy="415569"/>
+          </a:xfrm>
+          <a:prstGeom prst="rect">
+            <a:avLst/>
+          </a:prstGeom>
+          <a:noFill/>
+        </p:spPr>
+        <p:txBody>
+          <a:bodyPr wrap="square" rtlCol="0">
+            <a:spAutoFit/>
+          </a:bodyPr>
+          <a:lstStyle/>
+          <a:p>
+            <a:pPr algn="ctr"/>
+            <a:r>
+              <a:rPr lang="en-US" altLang="ko-KR" sz="2000" b="1" dirty="0"/>
+              <a:t>STEP </a:t>
+            </a:r>
+            <a:r>
+              <a:rPr lang="en-US" altLang="ko-KR" sz="2000" b="1" dirty="0" smtClean="0"/>
+              <a:t>1 – Data Introduction</a:t>
+            </a:r>
+            <a:endParaRPr lang="ko-KR" altLang="en-US" sz="2000" dirty="0"/>
+          </a:p>
+        </p:txBody>
+      </p:sp>
+      <p:sp>
+        <p:nvSpPr>
+          <p:cNvPr id="4" name="TextBox 3"/>
+          <p:cNvSpPr txBox="1"/>
+          <p:nvPr/>
+        </p:nvSpPr>
+        <p:spPr>
+          <a:xfrm>
+            <a:off x="853440" y="1209040"/>
+            <a:ext cx="1422400" cy="369332"/>
+          </a:xfrm>
+          <a:prstGeom prst="rect">
+            <a:avLst/>
+          </a:prstGeom>
+          <a:noFill/>
+        </p:spPr>
+        <p:txBody>
+          <a:bodyPr wrap="square" rtlCol="0">
+            <a:spAutoFit/>
+          </a:bodyPr>
+          <a:lstStyle/>
+          <a:p>
+            <a:r>
+              <a:rPr lang="ko-KR" altLang="en-US" smtClean="0"/>
+              <a:t>발생년</a:t>
+            </a:r>
+            <a:endParaRPr lang="ko-KR" altLang="en-US" dirty="0"/>
+          </a:p>
+        </p:txBody>
+      </p:sp>
+      <p:pic>
+        <p:nvPicPr>
+          <p:cNvPr id="1026" name="Picture 2" descr="http://localhost:9468/118719-21016-1h4op31.2u3iu7syvi.png"/>
+          <p:cNvPicPr>
+            <a:picLocks noChangeAspect="1" noChangeArrowheads="1"/>
+          </p:cNvPicPr>
+          <p:nvPr/>
+        </p:nvPicPr>
+        <p:blipFill>
+          <a:blip r:embed="rId3">
+            <a:extLst>
+              <a:ext uri="{28A0092B-C50C-407E-A947-70E740481C1C}">
+                <a14:useLocalDpi xmlns:a14="http://schemas.microsoft.com/office/drawing/2010/main" val="0"/>
+              </a:ext>
+            </a:extLst>
+          </a:blip>
+          <a:srcRect/>
+          <a:stretch>
+            <a:fillRect/>
+          </a:stretch>
+        </p:blipFill>
+        <p:spPr bwMode="auto">
+          <a:xfrm>
+            <a:off x="1869440" y="1393706"/>
+            <a:ext cx="7904480" cy="5316467"/>
+          </a:xfrm>
+          <a:prstGeom prst="rect">
+            <a:avLst/>
+          </a:prstGeom>
+          <a:noFill/>
+          <a:extLst>
+            <a:ext uri="{909E8E84-426E-40DD-AFC4-6F175D3DCCD1}">
+              <a14:hiddenFill xmlns:a14="http://schemas.microsoft.com/office/drawing/2010/main">
+                <a:solidFill>
+                  <a:srgbClr val="FFFFFF"/>
+                </a:solidFill>
+              </a14:hiddenFill>
+            </a:ext>
+          </a:extLst>
+        </p:spPr>
+      </p:pic>
     </p:spTree>
     <p:extLst>
       <p:ext uri="{BB962C8B-B14F-4D97-AF65-F5344CB8AC3E}">
@@ -4123,10 +4809,86 @@
           </a:prstGeom>
         </p:spPr>
       </p:pic>
+      <p:sp>
+        <p:nvSpPr>
+          <p:cNvPr id="3" name="TextBox 2"/>
+          <p:cNvSpPr txBox="1"/>
+          <p:nvPr/>
+        </p:nvSpPr>
+        <p:spPr>
+          <a:xfrm>
+            <a:off x="178583" y="346430"/>
+            <a:ext cx="3611098" cy="415569"/>
+          </a:xfrm>
+          <a:prstGeom prst="rect">
+            <a:avLst/>
+          </a:prstGeom>
+          <a:noFill/>
+        </p:spPr>
+        <p:txBody>
+          <a:bodyPr wrap="square" rtlCol="0">
+            <a:spAutoFit/>
+          </a:bodyPr>
+          <a:lstStyle/>
+          <a:p>
+            <a:pPr algn="ctr"/>
+            <a:r>
+              <a:rPr lang="en-US" altLang="ko-KR" sz="2000" b="1" dirty="0"/>
+              <a:t>STEP </a:t>
+            </a:r>
+            <a:r>
+              <a:rPr lang="en-US" altLang="ko-KR" sz="2000" b="1" dirty="0" smtClean="0"/>
+              <a:t>1 – Data Introduction</a:t>
+            </a:r>
+            <a:endParaRPr lang="ko-KR" altLang="en-US" sz="2000" dirty="0"/>
+          </a:p>
+        </p:txBody>
+      </p:sp>
+      <p:pic>
+        <p:nvPicPr>
+          <p:cNvPr id="2050" name="Picture 2" descr="http://localhost:9468/118719-21016-oanynd.l5tos3v7vi.png"/>
+          <p:cNvPicPr>
+            <a:picLocks noChangeAspect="1" noChangeArrowheads="1"/>
+          </p:cNvPicPr>
+          <p:nvPr/>
+        </p:nvPicPr>
+        <p:blipFill>
+          <a:blip r:embed="rId3">
+            <a:extLst>
+              <a:ext uri="{28A0092B-C50C-407E-A947-70E740481C1C}">
+                <a14:useLocalDpi xmlns:a14="http://schemas.microsoft.com/office/drawing/2010/main" val="0"/>
+              </a:ext>
+            </a:extLst>
+          </a:blip>
+          <a:srcRect/>
+          <a:stretch>
+            <a:fillRect/>
+          </a:stretch>
+        </p:blipFill>
+        <p:spPr bwMode="auto">
+          <a:xfrm>
+            <a:off x="1293494" y="1615122"/>
+            <a:ext cx="6255385" cy="4144194"/>
+          </a:xfrm>
+          <a:prstGeom prst="rect">
+            <a:avLst/>
+          </a:prstGeom>
+          <a:noFill/>
+          <a:extLst>
+            <a:ext uri="{909E8E84-426E-40DD-AFC4-6F175D3DCCD1}">
+              <a14:hiddenFill xmlns:a14="http://schemas.microsoft.com/office/drawing/2010/main">
+                <a:solidFill>
+                  <a:srgbClr val="FFFFFF"/>
+                </a:solidFill>
+              </a14:hiddenFill>
+            </a:ext>
+          </a:extLst>
+        </p:spPr>
+      </p:pic>
     </p:spTree>
     <p:extLst>
       <p:ext uri="{BB962C8B-B14F-4D97-AF65-F5344CB8AC3E}">
-        <p14:creationId xmlns:p14="http://schemas.microsoft.com/office/powerpoint/2010/main" val="3733050627"/>
+        <p14:creationId xmlns:p14="http://schemas.microsoft.com/office/powerpoint/2010/main" val="677709579"/>
       </p:ext>
     </p:extLst>
   </p:cSld>
@@ -4176,10 +4938,201 @@
           </a:prstGeom>
         </p:spPr>
       </p:pic>
+      <p:sp>
+        <p:nvSpPr>
+          <p:cNvPr id="3" name="TextBox 2"/>
+          <p:cNvSpPr txBox="1"/>
+          <p:nvPr/>
+        </p:nvSpPr>
+        <p:spPr>
+          <a:xfrm>
+            <a:off x="178583" y="346430"/>
+            <a:ext cx="3611098" cy="415569"/>
+          </a:xfrm>
+          <a:prstGeom prst="rect">
+            <a:avLst/>
+          </a:prstGeom>
+          <a:noFill/>
+        </p:spPr>
+        <p:txBody>
+          <a:bodyPr wrap="square" rtlCol="0">
+            <a:spAutoFit/>
+          </a:bodyPr>
+          <a:lstStyle/>
+          <a:p>
+            <a:pPr algn="ctr"/>
+            <a:r>
+              <a:rPr lang="en-US" altLang="ko-KR" sz="2000" b="1" dirty="0"/>
+              <a:t>STEP </a:t>
+            </a:r>
+            <a:r>
+              <a:rPr lang="en-US" altLang="ko-KR" sz="2000" b="1" dirty="0" smtClean="0"/>
+              <a:t>1 – Data Introduction</a:t>
+            </a:r>
+            <a:endParaRPr lang="ko-KR" altLang="en-US" sz="2000" dirty="0"/>
+          </a:p>
+        </p:txBody>
+      </p:sp>
+      <p:pic>
+        <p:nvPicPr>
+          <p:cNvPr id="3073" name="Picture 1" descr="http://localhost:9468/118719-21016-ohsejs.74pkua0pb9.png"/>
+          <p:cNvPicPr>
+            <a:picLocks noChangeAspect="1" noChangeArrowheads="1"/>
+          </p:cNvPicPr>
+          <p:nvPr/>
+        </p:nvPicPr>
+        <p:blipFill>
+          <a:blip r:embed="rId3">
+            <a:extLst>
+              <a:ext uri="{28A0092B-C50C-407E-A947-70E740481C1C}">
+                <a14:useLocalDpi xmlns:a14="http://schemas.microsoft.com/office/drawing/2010/main" val="0"/>
+              </a:ext>
+            </a:extLst>
+          </a:blip>
+          <a:srcRect/>
+          <a:stretch>
+            <a:fillRect/>
+          </a:stretch>
+        </p:blipFill>
+        <p:spPr bwMode="auto">
+          <a:xfrm>
+            <a:off x="2286000" y="1391919"/>
+            <a:ext cx="6329680" cy="4273337"/>
+          </a:xfrm>
+          <a:prstGeom prst="rect">
+            <a:avLst/>
+          </a:prstGeom>
+          <a:noFill/>
+          <a:extLst>
+            <a:ext uri="{909E8E84-426E-40DD-AFC4-6F175D3DCCD1}">
+              <a14:hiddenFill xmlns:a14="http://schemas.microsoft.com/office/drawing/2010/main">
+                <a:solidFill>
+                  <a:srgbClr val="FFFFFF"/>
+                </a:solidFill>
+              </a14:hiddenFill>
+            </a:ext>
+          </a:extLst>
+        </p:spPr>
+      </p:pic>
+      <p:sp>
+        <p:nvSpPr>
+          <p:cNvPr id="4" name="Rectangle 2"/>
+          <p:cNvSpPr>
+            <a:spLocks noChangeArrowheads="1"/>
+          </p:cNvSpPr>
+          <p:nvPr/>
+        </p:nvSpPr>
+        <p:spPr bwMode="auto">
+          <a:xfrm>
+            <a:off x="8135620" y="1681489"/>
+            <a:ext cx="214202" cy="523220"/>
+          </a:xfrm>
+          <a:prstGeom prst="rect">
+            <a:avLst/>
+          </a:prstGeom>
+          <a:noFill/>
+          <a:ln>
+            <a:noFill/>
+          </a:ln>
+          <a:effectLst/>
+          <a:extLst>
+            <a:ext uri="{909E8E84-426E-40DD-AFC4-6F175D3DCCD1}">
+              <a14:hiddenFill xmlns:a14="http://schemas.microsoft.com/office/drawing/2010/main">
+                <a:solidFill>
+                  <a:schemeClr val="accent1"/>
+                </a:solidFill>
+              </a14:hiddenFill>
+            </a:ext>
+            <a:ext uri="{91240B29-F687-4F45-9708-019B960494DF}">
+              <a14:hiddenLine xmlns:a14="http://schemas.microsoft.com/office/drawing/2010/main" w="9525">
+                <a:solidFill>
+                  <a:schemeClr val="tx1"/>
+                </a:solidFill>
+                <a:miter lim="800000"/>
+                <a:headEnd/>
+                <a:tailEnd/>
+              </a14:hiddenLine>
+            </a:ext>
+            <a:ext uri="{AF507438-7753-43E0-B8FC-AC1667EBCBE1}">
+              <a14:hiddenEffects xmlns:a14="http://schemas.microsoft.com/office/drawing/2010/main">
+                <a:effectLst>
+                  <a:outerShdw dist="35921" dir="2700000" algn="ctr" rotWithShape="0">
+                    <a:schemeClr val="bg2"/>
+                  </a:outerShdw>
+                </a:effectLst>
+              </a14:hiddenEffects>
+            </a:ext>
+          </a:extLst>
+        </p:spPr>
+        <p:txBody>
+          <a:bodyPr vert="horz" wrap="square" lIns="91440" tIns="45720" rIns="91440" bIns="45720" numCol="1" anchor="ctr" anchorCtr="0" compatLnSpc="1">
+            <a:prstTxWarp prst="textNoShape">
+              <a:avLst/>
+            </a:prstTxWarp>
+            <a:spAutoFit/>
+          </a:bodyPr>
+          <a:lstStyle/>
+          <a:p>
+            <a:pPr marL="0" marR="0" lvl="0" indent="0" algn="ctr" defTabSz="914400" rtl="0" eaLnBrk="0" fontAlgn="base" latinLnBrk="0" hangingPunct="0">
+              <a:lnSpc>
+                <a:spcPct val="100000"/>
+              </a:lnSpc>
+              <a:spcBef>
+                <a:spcPct val="0"/>
+              </a:spcBef>
+              <a:spcAft>
+                <a:spcPct val="0"/>
+              </a:spcAft>
+              <a:buClrTx/>
+              <a:buSzTx/>
+              <a:buFontTx/>
+              <a:buNone/>
+              <a:tabLst/>
+            </a:pPr>
+            <a:r>
+              <a:rPr kumimoji="0" lang="ko-KR" altLang="ko-KR" sz="1000" b="0" i="0" u="none" strike="noStrike" cap="none" normalizeH="0" baseline="0" smtClean="0">
+                <a:ln>
+                  <a:noFill/>
+                </a:ln>
+                <a:solidFill>
+                  <a:srgbClr val="333333"/>
+                </a:solidFill>
+                <a:effectLst/>
+                <a:latin typeface="Arial" panose="020B0604020202020204" pitchFamily="34" charset="0"/>
+                <a:ea typeface="Helvetica Neue"/>
+              </a:rPr>
+              <a:t/>
+            </a:r>
+            <a:br>
+              <a:rPr kumimoji="0" lang="ko-KR" altLang="ko-KR" sz="1000" b="0" i="0" u="none" strike="noStrike" cap="none" normalizeH="0" baseline="0" smtClean="0">
+                <a:ln>
+                  <a:noFill/>
+                </a:ln>
+                <a:solidFill>
+                  <a:srgbClr val="333333"/>
+                </a:solidFill>
+                <a:effectLst/>
+                <a:latin typeface="Arial" panose="020B0604020202020204" pitchFamily="34" charset="0"/>
+                <a:ea typeface="Helvetica Neue"/>
+              </a:rPr>
+            </a:br>
+            <a:endParaRPr kumimoji="0" lang="ko-KR" altLang="ko-KR" sz="1800" b="0" i="0" u="none" strike="noStrike" cap="none" normalizeH="0" baseline="0" smtClean="0">
+              <a:ln>
+                <a:noFill/>
+              </a:ln>
+              <a:solidFill>
+                <a:schemeClr val="tx1"/>
+              </a:solidFill>
+              <a:effectLst/>
+              <a:latin typeface="Arial" panose="020B0604020202020204" pitchFamily="34" charset="0"/>
+            </a:endParaRPr>
+          </a:p>
+        </p:txBody>
+      </p:sp>
     </p:spTree>
     <p:extLst>
       <p:ext uri="{BB962C8B-B14F-4D97-AF65-F5344CB8AC3E}">
-        <p14:creationId xmlns:p14="http://schemas.microsoft.com/office/powerpoint/2010/main" val="3417084299"/>
+        <p14:creationId xmlns:p14="http://schemas.microsoft.com/office/powerpoint/2010/main" val="2003799340"/>
       </p:ext>
     </p:extLst>
   </p:cSld>
@@ -4229,10 +5182,422 @@
           </a:prstGeom>
         </p:spPr>
       </p:pic>
+      <p:sp>
+        <p:nvSpPr>
+          <p:cNvPr id="3" name="TextBox 2"/>
+          <p:cNvSpPr txBox="1"/>
+          <p:nvPr/>
+        </p:nvSpPr>
+        <p:spPr>
+          <a:xfrm>
+            <a:off x="178583" y="346430"/>
+            <a:ext cx="3611098" cy="415569"/>
+          </a:xfrm>
+          <a:prstGeom prst="rect">
+            <a:avLst/>
+          </a:prstGeom>
+          <a:noFill/>
+        </p:spPr>
+        <p:txBody>
+          <a:bodyPr wrap="square" rtlCol="0">
+            <a:spAutoFit/>
+          </a:bodyPr>
+          <a:lstStyle/>
+          <a:p>
+            <a:pPr algn="ctr"/>
+            <a:r>
+              <a:rPr lang="en-US" altLang="ko-KR" sz="2000" b="1" dirty="0"/>
+              <a:t>STEP </a:t>
+            </a:r>
+            <a:r>
+              <a:rPr lang="en-US" altLang="ko-KR" sz="2000" b="1" dirty="0" smtClean="0"/>
+              <a:t>1 – Data Introduction</a:t>
+            </a:r>
+            <a:endParaRPr lang="ko-KR" altLang="en-US" sz="2000" dirty="0"/>
+          </a:p>
+        </p:txBody>
+      </p:sp>
+      <p:sp>
+        <p:nvSpPr>
+          <p:cNvPr id="4" name="TextBox 3"/>
+          <p:cNvSpPr txBox="1"/>
+          <p:nvPr/>
+        </p:nvSpPr>
+        <p:spPr>
+          <a:xfrm>
+            <a:off x="690880" y="1249680"/>
+            <a:ext cx="10861040" cy="3970318"/>
+          </a:xfrm>
+          <a:prstGeom prst="rect">
+            <a:avLst/>
+          </a:prstGeom>
+          <a:noFill/>
+        </p:spPr>
+        <p:txBody>
+          <a:bodyPr wrap="square" rtlCol="0">
+            <a:spAutoFit/>
+          </a:bodyPr>
+          <a:lstStyle/>
+          <a:p>
+            <a:pPr marL="342900" indent="-342900">
+              <a:buAutoNum type="arabicPeriod"/>
+            </a:pPr>
+            <a:r>
+              <a:rPr lang="ko-KR" altLang="en-US" dirty="0" err="1" smtClean="0"/>
+              <a:t>데이터소개에대해서</a:t>
+            </a:r>
+            <a:r>
+              <a:rPr lang="ko-KR" altLang="en-US" dirty="0" smtClean="0"/>
+              <a:t> </a:t>
+            </a:r>
+            <a:r>
+              <a:rPr lang="ko-KR" altLang="en-US" dirty="0" err="1" smtClean="0"/>
+              <a:t>스토리텔링</a:t>
+            </a:r>
+            <a:r>
+              <a:rPr lang="en-US" altLang="ko-KR" dirty="0" smtClean="0"/>
+              <a:t>…</a:t>
+            </a:r>
+          </a:p>
+          <a:p>
+            <a:r>
+              <a:rPr lang="ko-KR" altLang="en-US" dirty="0" smtClean="0"/>
+              <a:t>컬럼에 대한 데이터 </a:t>
+            </a:r>
+            <a:r>
+              <a:rPr lang="en-US" altLang="ko-KR" dirty="0" err="1" smtClean="0"/>
+              <a:t>descripution</a:t>
+            </a:r>
+            <a:r>
+              <a:rPr lang="en-US" altLang="ko-KR" dirty="0" smtClean="0"/>
+              <a:t> / understand</a:t>
+            </a:r>
+          </a:p>
+          <a:p>
+            <a:endParaRPr lang="en-US" altLang="ko-KR" dirty="0"/>
+          </a:p>
+          <a:p>
+            <a:r>
+              <a:rPr lang="en-US" altLang="ko-KR" dirty="0" smtClean="0"/>
+              <a:t>Ex) </a:t>
+            </a:r>
+            <a:r>
+              <a:rPr lang="ko-KR" altLang="en-US" b="1" dirty="0" err="1" smtClean="0"/>
+              <a:t>데이터분포</a:t>
+            </a:r>
+            <a:r>
+              <a:rPr lang="ko-KR" altLang="en-US" b="1" dirty="0" smtClean="0"/>
+              <a:t> </a:t>
+            </a:r>
+            <a:r>
+              <a:rPr lang="en-US" altLang="ko-KR" b="1" dirty="0" smtClean="0"/>
+              <a:t>– </a:t>
+            </a:r>
+            <a:r>
+              <a:rPr lang="ko-KR" altLang="en-US" dirty="0" smtClean="0"/>
+              <a:t>왜냐면은 우리가 모델링 </a:t>
+            </a:r>
+            <a:r>
+              <a:rPr lang="ko-KR" altLang="en-US" dirty="0" err="1" smtClean="0"/>
+              <a:t>할때</a:t>
+            </a:r>
+            <a:r>
+              <a:rPr lang="en-US" altLang="ko-KR" dirty="0" smtClean="0"/>
+              <a:t>, </a:t>
+            </a:r>
+            <a:r>
+              <a:rPr lang="ko-KR" altLang="en-US" dirty="0" smtClean="0"/>
+              <a:t>사망자를 </a:t>
+            </a:r>
+            <a:r>
+              <a:rPr lang="ko-KR" altLang="en-US" dirty="0" err="1" smtClean="0"/>
+              <a:t>구할때</a:t>
+            </a:r>
+            <a:r>
+              <a:rPr lang="ko-KR" altLang="en-US" dirty="0" smtClean="0"/>
+              <a:t> 사상자를 구하는데</a:t>
+            </a:r>
+            <a:endParaRPr lang="en-US" altLang="ko-KR" dirty="0" smtClean="0"/>
+          </a:p>
+          <a:p>
+            <a:endParaRPr lang="en-US" altLang="ko-KR" dirty="0"/>
+          </a:p>
+          <a:p>
+            <a:r>
+              <a:rPr lang="ko-KR" altLang="en-US" dirty="0" smtClean="0"/>
+              <a:t>이거에 대한 근거로 통계적인 부분도 좋지만</a:t>
+            </a:r>
+            <a:r>
+              <a:rPr lang="en-US" altLang="ko-KR" dirty="0" smtClean="0"/>
+              <a:t>, </a:t>
+            </a:r>
+            <a:r>
+              <a:rPr lang="ko-KR" altLang="en-US" dirty="0" smtClean="0"/>
+              <a:t>분포로 이해를 먼저 </a:t>
+            </a:r>
+            <a:r>
+              <a:rPr lang="en-US" altLang="ko-KR" dirty="0" smtClean="0"/>
+              <a:t>(</a:t>
+            </a:r>
+            <a:r>
+              <a:rPr lang="ko-KR" altLang="en-US" dirty="0" smtClean="0"/>
+              <a:t>시각화</a:t>
+            </a:r>
+            <a:r>
+              <a:rPr lang="en-US" altLang="ko-KR" dirty="0" smtClean="0"/>
+              <a:t>) </a:t>
+            </a:r>
+            <a:r>
+              <a:rPr lang="ko-KR" altLang="en-US" dirty="0" err="1" smtClean="0"/>
+              <a:t>예를들어</a:t>
+            </a:r>
+            <a:r>
+              <a:rPr lang="ko-KR" altLang="en-US" dirty="0" smtClean="0"/>
+              <a:t> 뭐</a:t>
+            </a:r>
+            <a:r>
+              <a:rPr lang="en-US" altLang="ko-KR" dirty="0" smtClean="0"/>
+              <a:t>… </a:t>
+            </a:r>
+            <a:r>
+              <a:rPr lang="ko-KR" altLang="en-US" dirty="0" err="1" smtClean="0"/>
+              <a:t>상관그래프</a:t>
+            </a:r>
+            <a:r>
+              <a:rPr lang="en-US" altLang="ko-KR" dirty="0" smtClean="0"/>
+              <a:t>…</a:t>
+            </a:r>
+            <a:r>
+              <a:rPr lang="ko-KR" altLang="en-US" dirty="0" smtClean="0"/>
+              <a:t>라던지</a:t>
+            </a:r>
+            <a:r>
+              <a:rPr lang="en-US" altLang="ko-KR" dirty="0" smtClean="0"/>
+              <a:t>…. </a:t>
+            </a:r>
+            <a:r>
+              <a:rPr lang="ko-KR" altLang="en-US" dirty="0" smtClean="0"/>
+              <a:t>등등 을 사용해서</a:t>
+            </a:r>
+            <a:r>
+              <a:rPr lang="en-US" altLang="ko-KR" dirty="0" smtClean="0"/>
+              <a:t>…</a:t>
+            </a:r>
+          </a:p>
+          <a:p>
+            <a:endParaRPr lang="en-US" altLang="ko-KR" dirty="0"/>
+          </a:p>
+          <a:p>
+            <a:r>
+              <a:rPr lang="ko-KR" altLang="en-US" dirty="0" smtClean="0"/>
+              <a:t>모델링에서는 통계적인 </a:t>
+            </a:r>
+            <a:r>
+              <a:rPr lang="ko-KR" altLang="en-US" dirty="0" err="1" smtClean="0"/>
+              <a:t>상관계수라던지</a:t>
+            </a:r>
+            <a:r>
+              <a:rPr lang="ko-KR" altLang="en-US" dirty="0" smtClean="0"/>
+              <a:t> 추가적인 근거로 이런 모델링을 했다</a:t>
+            </a:r>
+            <a:r>
+              <a:rPr lang="en-US" altLang="ko-KR" dirty="0" smtClean="0"/>
+              <a:t>.</a:t>
+            </a:r>
+          </a:p>
+          <a:p>
+            <a:endParaRPr lang="en-US" altLang="ko-KR" dirty="0"/>
+          </a:p>
+          <a:p>
+            <a:r>
+              <a:rPr lang="en-US" altLang="ko-KR" dirty="0" smtClean="0"/>
+              <a:t>+ </a:t>
+            </a:r>
+            <a:r>
+              <a:rPr lang="ko-KR" altLang="en-US" dirty="0" smtClean="0"/>
+              <a:t>분포에 대한 얘기로</a:t>
+            </a:r>
+            <a:r>
+              <a:rPr lang="en-US" altLang="ko-KR" dirty="0" smtClean="0"/>
+              <a:t>… </a:t>
+            </a:r>
+            <a:r>
+              <a:rPr lang="ko-KR" altLang="en-US" dirty="0" smtClean="0"/>
+              <a:t>그 것도 치우쳐진 값</a:t>
+            </a:r>
+            <a:r>
+              <a:rPr lang="en-US" altLang="ko-KR" dirty="0" smtClean="0"/>
+              <a:t>.. </a:t>
+            </a:r>
+            <a:r>
+              <a:rPr lang="ko-KR" altLang="en-US" dirty="0" smtClean="0"/>
+              <a:t>범주형 변수들</a:t>
+            </a:r>
+            <a:r>
+              <a:rPr lang="en-US" altLang="ko-KR" dirty="0" smtClean="0"/>
+              <a:t>.. </a:t>
+            </a:r>
+            <a:r>
+              <a:rPr lang="ko-KR" altLang="en-US" dirty="0" smtClean="0"/>
+              <a:t>그리고 </a:t>
+            </a:r>
+            <a:r>
+              <a:rPr lang="ko-KR" altLang="en-US" dirty="0" err="1" smtClean="0"/>
+              <a:t>수치형</a:t>
+            </a:r>
+            <a:r>
+              <a:rPr lang="ko-KR" altLang="en-US" dirty="0" smtClean="0"/>
+              <a:t> 도 마찬가지로</a:t>
+            </a:r>
+            <a:r>
+              <a:rPr lang="en-US" altLang="ko-KR" dirty="0" smtClean="0"/>
+              <a:t>.. </a:t>
+            </a:r>
+            <a:r>
+              <a:rPr lang="ko-KR" altLang="en-US" dirty="0" smtClean="0"/>
+              <a:t>이게 값이 치우쳐져서 우리는 어떻게 생각을 했고</a:t>
+            </a:r>
+            <a:r>
+              <a:rPr lang="en-US" altLang="ko-KR" dirty="0" smtClean="0"/>
+              <a:t>~ </a:t>
+            </a:r>
+            <a:r>
+              <a:rPr lang="ko-KR" altLang="en-US" dirty="0" err="1" smtClean="0"/>
+              <a:t>분석방향을</a:t>
+            </a:r>
+            <a:r>
+              <a:rPr lang="ko-KR" altLang="en-US" dirty="0" smtClean="0"/>
+              <a:t> 어떻게 잡았다</a:t>
+            </a:r>
+            <a:r>
+              <a:rPr lang="en-US" altLang="ko-KR" dirty="0" smtClean="0"/>
+              <a:t>. </a:t>
+            </a:r>
+            <a:r>
+              <a:rPr lang="ko-KR" altLang="en-US" dirty="0" err="1" smtClean="0"/>
+              <a:t>예를들면</a:t>
+            </a:r>
+            <a:r>
+              <a:rPr lang="ko-KR" altLang="en-US" dirty="0" smtClean="0"/>
+              <a:t> </a:t>
+            </a:r>
+            <a:r>
+              <a:rPr lang="ko-KR" altLang="en-US" dirty="0" err="1" smtClean="0"/>
+              <a:t>리셈플링</a:t>
+            </a:r>
+            <a:r>
+              <a:rPr lang="en-US" altLang="ko-KR" dirty="0" smtClean="0"/>
+              <a:t>…X… </a:t>
+            </a:r>
+            <a:r>
+              <a:rPr lang="ko-KR" altLang="en-US" dirty="0" smtClean="0"/>
+              <a:t>안했고</a:t>
+            </a:r>
+            <a:r>
+              <a:rPr lang="en-US" altLang="ko-KR" dirty="0" smtClean="0"/>
+              <a:t>…</a:t>
+            </a:r>
+          </a:p>
+          <a:p>
+            <a:r>
+              <a:rPr lang="en-US" altLang="ko-KR" dirty="0" smtClean="0"/>
+              <a:t>Skewed data……</a:t>
+            </a:r>
+            <a:r>
+              <a:rPr lang="ko-KR" altLang="en-US" dirty="0" smtClean="0"/>
+              <a:t>첨도적인부분</a:t>
+            </a:r>
+            <a:r>
+              <a:rPr lang="en-US" altLang="ko-KR" dirty="0" smtClean="0"/>
+              <a:t>.. </a:t>
+            </a:r>
+            <a:r>
+              <a:rPr lang="ko-KR" altLang="en-US" dirty="0" smtClean="0"/>
+              <a:t>이야기를 반드시 해야할 필요성</a:t>
+            </a:r>
+            <a:r>
+              <a:rPr lang="en-US" altLang="ko-KR" dirty="0" smtClean="0"/>
+              <a:t>…</a:t>
+            </a:r>
+            <a:endParaRPr lang="en-US" altLang="ko-KR" dirty="0"/>
+          </a:p>
+          <a:p>
+            <a:pPr marL="342900" indent="-342900">
+              <a:buAutoNum type="arabicPeriod"/>
+            </a:pPr>
+            <a:endParaRPr lang="ko-KR" altLang="en-US" dirty="0"/>
+          </a:p>
+        </p:txBody>
+      </p:sp>
+      <p:sp>
+        <p:nvSpPr>
+          <p:cNvPr id="5" name="TextBox 4"/>
+          <p:cNvSpPr txBox="1"/>
+          <p:nvPr/>
+        </p:nvSpPr>
+        <p:spPr>
+          <a:xfrm>
+            <a:off x="690880" y="1249680"/>
+            <a:ext cx="10861040" cy="923330"/>
+          </a:xfrm>
+          <a:prstGeom prst="rect">
+            <a:avLst/>
+          </a:prstGeom>
+          <a:noFill/>
+        </p:spPr>
+        <p:txBody>
+          <a:bodyPr wrap="square" rtlCol="0">
+            <a:spAutoFit/>
+          </a:bodyPr>
+          <a:lstStyle/>
+          <a:p>
+            <a:pPr marL="342900" indent="-342900">
+              <a:buAutoNum type="arabicPeriod"/>
+            </a:pPr>
+            <a:r>
+              <a:rPr lang="ko-KR" altLang="en-US" dirty="0" err="1" smtClean="0"/>
+              <a:t>데이터소개에대해서</a:t>
+            </a:r>
+            <a:r>
+              <a:rPr lang="ko-KR" altLang="en-US" dirty="0" smtClean="0"/>
+              <a:t> </a:t>
+            </a:r>
+            <a:r>
+              <a:rPr lang="ko-KR" altLang="en-US" dirty="0" err="1" smtClean="0"/>
+              <a:t>스토리텔링</a:t>
+            </a:r>
+            <a:r>
+              <a:rPr lang="en-US" altLang="ko-KR" dirty="0" smtClean="0"/>
+              <a:t>…</a:t>
+            </a:r>
+          </a:p>
+          <a:p>
+            <a:r>
+              <a:rPr lang="ko-KR" altLang="en-US" dirty="0" smtClean="0"/>
+              <a:t>컬럼에 대한 데이터 </a:t>
+            </a:r>
+            <a:r>
+              <a:rPr lang="en-US" altLang="ko-KR" dirty="0" err="1" smtClean="0"/>
+              <a:t>descripution</a:t>
+            </a:r>
+            <a:r>
+              <a:rPr lang="en-US" altLang="ko-KR" dirty="0" smtClean="0"/>
+              <a:t> / understand</a:t>
+            </a:r>
+            <a:endParaRPr lang="en-US" altLang="ko-KR" dirty="0"/>
+          </a:p>
+          <a:p>
+            <a:pPr marL="342900" indent="-342900">
+              <a:buAutoNum type="arabicPeriod"/>
+            </a:pPr>
+            <a:endParaRPr lang="ko-KR" altLang="en-US" dirty="0"/>
+          </a:p>
+        </p:txBody>
+      </p:sp>
     </p:spTree>
     <p:extLst>
       <p:ext uri="{BB962C8B-B14F-4D97-AF65-F5344CB8AC3E}">
-        <p14:creationId xmlns:p14="http://schemas.microsoft.com/office/powerpoint/2010/main" val="946494606"/>
+        <p14:creationId xmlns:p14="http://schemas.microsoft.com/office/powerpoint/2010/main" val="3570186640"/>
       </p:ext>
     </p:extLst>
   </p:cSld>
@@ -4282,10 +5647,184 @@
           </a:prstGeom>
         </p:spPr>
       </p:pic>
+      <p:sp>
+        <p:nvSpPr>
+          <p:cNvPr id="5" name="TextBox 4"/>
+          <p:cNvSpPr txBox="1"/>
+          <p:nvPr/>
+        </p:nvSpPr>
+        <p:spPr>
+          <a:xfrm>
+            <a:off x="178582" y="346430"/>
+            <a:ext cx="4474697" cy="400110"/>
+          </a:xfrm>
+          <a:prstGeom prst="rect">
+            <a:avLst/>
+          </a:prstGeom>
+          <a:noFill/>
+        </p:spPr>
+        <p:txBody>
+          <a:bodyPr wrap="square" rtlCol="0">
+            <a:spAutoFit/>
+          </a:bodyPr>
+          <a:lstStyle/>
+          <a:p>
+            <a:r>
+              <a:rPr lang="en-US" altLang="ko-KR" sz="2000" b="1" dirty="0"/>
+              <a:t>STEP </a:t>
+            </a:r>
+            <a:r>
+              <a:rPr lang="en-US" altLang="ko-KR" sz="2000" b="1" dirty="0"/>
+              <a:t>2</a:t>
+            </a:r>
+            <a:r>
+              <a:rPr lang="en-US" altLang="ko-KR" sz="2000" b="1" dirty="0" smtClean="0"/>
+              <a:t> – Data Preprocessing</a:t>
+            </a:r>
+            <a:endParaRPr lang="ko-KR" altLang="en-US" sz="2000" dirty="0"/>
+          </a:p>
+        </p:txBody>
+      </p:sp>
+      <p:sp>
+        <p:nvSpPr>
+          <p:cNvPr id="6" name="TextBox 5"/>
+          <p:cNvSpPr txBox="1"/>
+          <p:nvPr/>
+        </p:nvSpPr>
+        <p:spPr>
+          <a:xfrm>
+            <a:off x="690880" y="1249680"/>
+            <a:ext cx="10861040" cy="2031325"/>
+          </a:xfrm>
+          <a:prstGeom prst="rect">
+            <a:avLst/>
+          </a:prstGeom>
+          <a:noFill/>
+        </p:spPr>
+        <p:txBody>
+          <a:bodyPr wrap="square" rtlCol="0">
+            <a:spAutoFit/>
+          </a:bodyPr>
+          <a:lstStyle/>
+          <a:p>
+            <a:pPr marL="342900" indent="-342900">
+              <a:buAutoNum type="arabicPeriod"/>
+            </a:pPr>
+            <a:r>
+              <a:rPr lang="ko-KR" altLang="en-US" dirty="0" err="1" smtClean="0"/>
+              <a:t>데이터전처리에대해서</a:t>
+            </a:r>
+            <a:r>
+              <a:rPr lang="ko-KR" altLang="en-US" dirty="0" smtClean="0"/>
+              <a:t> </a:t>
+            </a:r>
+            <a:r>
+              <a:rPr lang="ko-KR" altLang="en-US" dirty="0" err="1" smtClean="0"/>
+              <a:t>스토리텔링</a:t>
+            </a:r>
+            <a:r>
+              <a:rPr lang="en-US" altLang="ko-KR" dirty="0" smtClean="0"/>
+              <a:t>…</a:t>
+            </a:r>
+          </a:p>
+          <a:p>
+            <a:r>
+              <a:rPr lang="ko-KR" altLang="en-US" dirty="0" smtClean="0"/>
+              <a:t>앞에서 </a:t>
+            </a:r>
+            <a:r>
+              <a:rPr lang="ko-KR" altLang="en-US" dirty="0" err="1" smtClean="0"/>
+              <a:t>데이터이해</a:t>
+            </a:r>
+            <a:r>
+              <a:rPr lang="ko-KR" altLang="en-US" dirty="0" smtClean="0"/>
+              <a:t> 즉 </a:t>
+            </a:r>
+            <a:r>
+              <a:rPr lang="en-US" altLang="ko-KR" dirty="0" smtClean="0"/>
+              <a:t>EDA</a:t>
+            </a:r>
+            <a:r>
+              <a:rPr lang="ko-KR" altLang="en-US" dirty="0" smtClean="0"/>
+              <a:t>를 근거로 </a:t>
+            </a:r>
+            <a:r>
+              <a:rPr lang="en-US" altLang="ko-KR" dirty="0" smtClean="0"/>
+              <a:t>outlier </a:t>
+            </a:r>
+            <a:r>
+              <a:rPr lang="ko-KR" altLang="en-US" dirty="0" smtClean="0"/>
+              <a:t>처리에 대한 </a:t>
+            </a:r>
+            <a:r>
+              <a:rPr lang="en-US" altLang="ko-KR" dirty="0" smtClean="0"/>
+              <a:t>description</a:t>
+            </a:r>
+          </a:p>
+          <a:p>
+            <a:r>
+              <a:rPr lang="ko-KR" altLang="en-US" dirty="0" smtClean="0"/>
+              <a:t>범주형 변수에 대한 </a:t>
+            </a:r>
+            <a:r>
+              <a:rPr lang="en-US" altLang="ko-KR" dirty="0" smtClean="0"/>
+              <a:t>dummy transform</a:t>
+            </a:r>
+          </a:p>
+          <a:p>
+            <a:endParaRPr lang="en-US" altLang="ko-KR" dirty="0" smtClean="0"/>
+          </a:p>
+          <a:p>
+            <a:endParaRPr lang="en-US" altLang="ko-KR" dirty="0"/>
+          </a:p>
+          <a:p>
+            <a:r>
+              <a:rPr lang="ko-KR" altLang="en-US" dirty="0" smtClean="0"/>
+              <a:t>그</a:t>
+            </a:r>
+            <a:r>
+              <a:rPr lang="en-US" altLang="ko-KR" dirty="0" smtClean="0"/>
+              <a:t>… </a:t>
+            </a:r>
+            <a:r>
+              <a:rPr lang="ko-KR" altLang="en-US" dirty="0" smtClean="0"/>
+              <a:t>소개 및 전처리 부분에서 연결을 해서 그 </a:t>
+            </a:r>
+            <a:r>
+              <a:rPr lang="ko-KR" altLang="en-US" dirty="0" err="1" smtClean="0"/>
+              <a:t>예측순서</a:t>
+            </a:r>
+            <a:r>
+              <a:rPr lang="en-US" altLang="ko-KR" dirty="0" smtClean="0"/>
+              <a:t>.. </a:t>
+            </a:r>
+            <a:r>
+              <a:rPr lang="ko-KR" altLang="en-US" dirty="0" smtClean="0"/>
+              <a:t>파악</a:t>
+            </a:r>
+            <a:endParaRPr lang="en-US" altLang="ko-KR" dirty="0" smtClean="0"/>
+          </a:p>
+          <a:p>
+            <a:r>
+              <a:rPr lang="ko-KR" altLang="en-US" dirty="0" smtClean="0"/>
+              <a:t>그리고 모델링을 통해서 그 순서에 대한 근거 제시와</a:t>
+            </a:r>
+            <a:r>
+              <a:rPr lang="en-US" altLang="ko-KR" dirty="0" smtClean="0"/>
+              <a:t>, </a:t>
+            </a:r>
+            <a:r>
+              <a:rPr lang="ko-KR" altLang="en-US" dirty="0" smtClean="0"/>
+              <a:t>타당성 부여</a:t>
+            </a:r>
+            <a:endParaRPr lang="en-US" altLang="ko-KR" dirty="0" smtClean="0"/>
+          </a:p>
+        </p:txBody>
+      </p:sp>
     </p:spTree>
     <p:extLst>
       <p:ext uri="{BB962C8B-B14F-4D97-AF65-F5344CB8AC3E}">
-        <p14:creationId xmlns:p14="http://schemas.microsoft.com/office/powerpoint/2010/main" val="4101232267"/>
+        <p14:creationId xmlns:p14="http://schemas.microsoft.com/office/powerpoint/2010/main" val="1673533570"/>
       </p:ext>
     </p:extLst>
   </p:cSld>
